--- a/중간고사/쇼핑몰 페이지.pptx
+++ b/중간고사/쇼핑몰 페이지.pptx
@@ -5,12 +5,11 @@
     <p:sldMasterId id="2147483648" r:id="rId1"/>
   </p:sldMasterIdLst>
   <p:notesMasterIdLst>
-    <p:notesMasterId r:id="rId5"/>
+    <p:notesMasterId r:id="rId4"/>
   </p:notesMasterIdLst>
   <p:sldIdLst>
     <p:sldId id="256" r:id="rId2"/>
     <p:sldId id="257" r:id="rId3"/>
-    <p:sldId id="258" r:id="rId4"/>
   </p:sldIdLst>
   <p:sldSz cx="12192000" cy="6858000"/>
   <p:notesSz cx="6858000" cy="9144000"/>
@@ -109,6 +108,11 @@
       </a:defRPr>
     </a:lvl9pPr>
   </p:defaultTextStyle>
+  <p:extLst>
+    <p:ext uri="{EFAFB233-063F-42B5-8137-9DF3F51BA10A}">
+      <p15:sldGuideLst xmlns:p15="http://schemas.microsoft.com/office/powerpoint/2012/main"/>
+    </p:ext>
+  </p:extLst>
 </p:presentation>
 </file>
 
@@ -3713,6 +3717,11 @@
               <a:lumOff val="50000"/>
             </a:schemeClr>
           </a:solidFill>
+          <a:ln>
+            <a:solidFill>
+              <a:schemeClr val="tx1"/>
+            </a:solidFill>
+          </a:ln>
         </p:spPr>
         <p:style>
           <a:lnRef idx="2">
@@ -3736,17 +3745,18 @@
           <a:p>
             <a:pPr algn="ctr"/>
             <a:r>
-              <a:rPr lang="ko-KR" altLang="en-US" sz="2400" dirty="0"/>
-              <a:t> </a:t>
-            </a:r>
-            <a:r>
-              <a:rPr lang="en-US" altLang="ko-KR" sz="2400" dirty="0"/>
-              <a:t>OO</a:t>
-            </a:r>
-            <a:r>
-              <a:rPr lang="ko-KR" altLang="en-US" sz="2400" dirty="0"/>
-              <a:t>쇼핑몰</a:t>
-            </a:r>
+              <a:rPr lang="ko-KR" altLang="en-US" sz="2400">
+                <a:solidFill>
+                  <a:schemeClr val="tx1"/>
+                </a:solidFill>
+              </a:rPr>
+              <a:t> 의류쇼핑몰</a:t>
+            </a:r>
+            <a:endParaRPr lang="ko-KR" altLang="en-US" sz="2400" dirty="0">
+              <a:solidFill>
+                <a:schemeClr val="tx1"/>
+              </a:solidFill>
+            </a:endParaRPr>
           </a:p>
         </p:txBody>
       </p:sp>
@@ -3777,6 +3787,11 @@
               <a:lumMod val="90000"/>
             </a:schemeClr>
           </a:solidFill>
+          <a:ln>
+            <a:solidFill>
+              <a:schemeClr val="tx1"/>
+            </a:solidFill>
+          </a:ln>
         </p:spPr>
         <p:style>
           <a:lnRef idx="2">
@@ -3800,59 +3815,37 @@
           <a:p>
             <a:pPr algn="ctr"/>
             <a:r>
-              <a:rPr lang="ko-KR" altLang="en-US" dirty="0" err="1"/>
+              <a:rPr lang="ko-KR" altLang="en-US" dirty="0" err="1">
+                <a:solidFill>
+                  <a:schemeClr val="tx1"/>
+                </a:solidFill>
+              </a:rPr>
               <a:t>아우터</a:t>
             </a:r>
             <a:r>
-              <a:rPr lang="ko-KR" altLang="en-US" dirty="0"/>
+              <a:rPr lang="ko-KR" altLang="en-US" dirty="0">
+                <a:solidFill>
+                  <a:schemeClr val="tx1"/>
+                </a:solidFill>
+              </a:rPr>
               <a:t>                   상의                         하의                      신발                  </a:t>
             </a:r>
             <a:r>
               <a:rPr lang="ko-KR" altLang="en-US" u="sng" dirty="0">
                 <a:solidFill>
-                  <a:srgbClr val="1A0DAB"/>
+                  <a:schemeClr val="tx1"/>
                 </a:solidFill>
                 <a:latin typeface="Apple SD Gothic Neo"/>
               </a:rPr>
               <a:t>🔍︎</a:t>
             </a:r>
             <a:r>
-              <a:rPr lang="ko-KR" altLang="en-US" dirty="0"/>
+              <a:rPr lang="ko-KR" altLang="en-US" dirty="0">
+                <a:solidFill>
+                  <a:schemeClr val="tx1"/>
+                </a:solidFill>
+              </a:rPr>
               <a:t>검색</a:t>
-            </a:r>
-          </a:p>
-        </p:txBody>
-      </p:sp>
-      <p:sp useBgFill="1">
-        <p:nvSpPr>
-          <p:cNvPr id="9" name="TextBox 8">
-            <a:extLst>
-              <a:ext uri="{FF2B5EF4-FFF2-40B4-BE49-F238E27FC236}">
-                <a16:creationId xmlns:a16="http://schemas.microsoft.com/office/drawing/2014/main" id="{7460079F-BD34-41FF-AE59-7BA1053ADAF3}"/>
-              </a:ext>
-            </a:extLst>
-          </p:cNvPr>
-          <p:cNvSpPr txBox="1"/>
-          <p:nvPr/>
-        </p:nvSpPr>
-        <p:spPr>
-          <a:xfrm>
-            <a:off x="11198086" y="81428"/>
-            <a:ext cx="877163" cy="369332"/>
-          </a:xfrm>
-          <a:prstGeom prst="rect">
-            <a:avLst/>
-          </a:prstGeom>
-        </p:spPr>
-        <p:txBody>
-          <a:bodyPr wrap="none" rtlCol="0">
-            <a:spAutoFit/>
-          </a:bodyPr>
-          <a:lstStyle/>
-          <a:p>
-            <a:r>
-              <a:rPr lang="ko-KR" altLang="en-US" dirty="0"/>
-              <a:t>로그인</a:t>
             </a:r>
           </a:p>
         </p:txBody>
@@ -3886,8 +3879,8 @@
         </p:blipFill>
         <p:spPr bwMode="auto">
           <a:xfrm>
-            <a:off x="3905870" y="2049181"/>
-            <a:ext cx="2143125" cy="2143125"/>
+            <a:off x="3713960" y="1868385"/>
+            <a:ext cx="2086002" cy="2086002"/>
           </a:xfrm>
           <a:prstGeom prst="rect">
             <a:avLst/>
@@ -3933,8 +3926,8 @@
         </p:blipFill>
         <p:spPr bwMode="auto">
           <a:xfrm>
-            <a:off x="6826733" y="2076450"/>
-            <a:ext cx="1952625" cy="2343150"/>
+            <a:off x="6657903" y="1871420"/>
+            <a:ext cx="1900580" cy="2280696"/>
           </a:xfrm>
           <a:prstGeom prst="rect">
             <a:avLst/>
@@ -3980,8 +3973,8 @@
         </p:blipFill>
         <p:spPr bwMode="auto">
           <a:xfrm>
-            <a:off x="914295" y="2121924"/>
-            <a:ext cx="1952625" cy="2343150"/>
+            <a:off x="745465" y="1916894"/>
+            <a:ext cx="1900580" cy="2280696"/>
           </a:xfrm>
           <a:prstGeom prst="rect">
             <a:avLst/>
@@ -4027,8 +4020,8 @@
         </p:blipFill>
         <p:spPr bwMode="auto">
           <a:xfrm>
-            <a:off x="4218767" y="4625941"/>
-            <a:ext cx="1517332" cy="2025717"/>
+            <a:off x="4102673" y="4459369"/>
+            <a:ext cx="1476888" cy="1971724"/>
           </a:xfrm>
           <a:prstGeom prst="rect">
             <a:avLst/>
@@ -4074,8 +4067,8 @@
         </p:blipFill>
         <p:spPr bwMode="auto">
           <a:xfrm>
-            <a:off x="919782" y="4419600"/>
-            <a:ext cx="1876425" cy="2438400"/>
+            <a:off x="760184" y="4203031"/>
+            <a:ext cx="1826410" cy="2373406"/>
           </a:xfrm>
           <a:prstGeom prst="rect">
             <a:avLst/>
@@ -4121,8 +4114,8 @@
         </p:blipFill>
         <p:spPr bwMode="auto">
           <a:xfrm>
-            <a:off x="9671376" y="2049181"/>
-            <a:ext cx="2143125" cy="2143125"/>
+            <a:off x="9479466" y="1868385"/>
+            <a:ext cx="2086002" cy="2086002"/>
           </a:xfrm>
           <a:prstGeom prst="rect">
             <a:avLst/>
@@ -4168,8 +4161,8 @@
         </p:blipFill>
         <p:spPr bwMode="auto">
           <a:xfrm>
-            <a:off x="6731484" y="4567236"/>
-            <a:ext cx="2143125" cy="2143125"/>
+            <a:off x="6539574" y="4386440"/>
+            <a:ext cx="2086002" cy="2086002"/>
           </a:xfrm>
           <a:prstGeom prst="rect">
             <a:avLst/>
@@ -4215,8 +4208,8 @@
         </p:blipFill>
         <p:spPr bwMode="auto">
           <a:xfrm>
-            <a:off x="9671376" y="4571618"/>
-            <a:ext cx="2143125" cy="2143125"/>
+            <a:off x="9479466" y="4390822"/>
+            <a:ext cx="2086002" cy="2086002"/>
           </a:xfrm>
           <a:prstGeom prst="rect">
             <a:avLst/>
@@ -4233,6 +4226,225 @@
           </a:extLst>
         </p:spPr>
       </p:pic>
+      <p:sp>
+        <p:nvSpPr>
+          <p:cNvPr id="14" name="TextBox 13">
+            <a:extLst>
+              <a:ext uri="{FF2B5EF4-FFF2-40B4-BE49-F238E27FC236}">
+                <a16:creationId xmlns:a16="http://schemas.microsoft.com/office/drawing/2014/main" id="{5BA10F2F-AD0E-4F7B-969F-807DF0BF5BE1}"/>
+              </a:ext>
+            </a:extLst>
+          </p:cNvPr>
+          <p:cNvSpPr txBox="1"/>
+          <p:nvPr/>
+        </p:nvSpPr>
+        <p:spPr>
+          <a:xfrm>
+            <a:off x="8227034" y="112126"/>
+            <a:ext cx="598241" cy="246221"/>
+          </a:xfrm>
+          <a:prstGeom prst="rect">
+            <a:avLst/>
+          </a:prstGeom>
+          <a:noFill/>
+        </p:spPr>
+        <p:txBody>
+          <a:bodyPr wrap="none" rtlCol="0">
+            <a:spAutoFit/>
+          </a:bodyPr>
+          <a:lstStyle/>
+          <a:p>
+            <a:r>
+              <a:rPr lang="ko-KR" altLang="en-US" sz="1000" dirty="0"/>
+              <a:t>아이디</a:t>
+            </a:r>
+            <a:r>
+              <a:rPr lang="en-US" altLang="ko-KR" sz="1000" dirty="0"/>
+              <a:t>:</a:t>
+            </a:r>
+            <a:endParaRPr lang="ko-KR" altLang="en-US" sz="1000" dirty="0"/>
+          </a:p>
+        </p:txBody>
+      </p:sp>
+      <p:sp>
+        <p:nvSpPr>
+          <p:cNvPr id="15" name="TextBox 14">
+            <a:extLst>
+              <a:ext uri="{FF2B5EF4-FFF2-40B4-BE49-F238E27FC236}">
+                <a16:creationId xmlns:a16="http://schemas.microsoft.com/office/drawing/2014/main" id="{FE4D1E84-7DA0-413E-AAED-A0EDCC90D3BC}"/>
+              </a:ext>
+            </a:extLst>
+          </p:cNvPr>
+          <p:cNvSpPr txBox="1"/>
+          <p:nvPr/>
+        </p:nvSpPr>
+        <p:spPr>
+          <a:xfrm>
+            <a:off x="9627826" y="112126"/>
+            <a:ext cx="726481" cy="246221"/>
+          </a:xfrm>
+          <a:prstGeom prst="rect">
+            <a:avLst/>
+          </a:prstGeom>
+          <a:noFill/>
+        </p:spPr>
+        <p:txBody>
+          <a:bodyPr wrap="none" rtlCol="0">
+            <a:spAutoFit/>
+          </a:bodyPr>
+          <a:lstStyle/>
+          <a:p>
+            <a:r>
+              <a:rPr lang="ko-KR" altLang="en-US" sz="1000" dirty="0"/>
+              <a:t>비밀번호</a:t>
+            </a:r>
+            <a:r>
+              <a:rPr lang="en-US" altLang="ko-KR" sz="1000" dirty="0"/>
+              <a:t>:</a:t>
+            </a:r>
+            <a:endParaRPr lang="ko-KR" altLang="en-US" sz="1000" dirty="0"/>
+          </a:p>
+        </p:txBody>
+      </p:sp>
+      <p:sp>
+        <p:nvSpPr>
+          <p:cNvPr id="3" name="직사각형 2">
+            <a:extLst>
+              <a:ext uri="{FF2B5EF4-FFF2-40B4-BE49-F238E27FC236}">
+                <a16:creationId xmlns:a16="http://schemas.microsoft.com/office/drawing/2014/main" id="{BB37B40C-9871-4EE4-9966-483CCA53E439}"/>
+              </a:ext>
+            </a:extLst>
+          </p:cNvPr>
+          <p:cNvSpPr/>
+          <p:nvPr/>
+        </p:nvSpPr>
+        <p:spPr>
+          <a:xfrm>
+            <a:off x="8825275" y="112126"/>
+            <a:ext cx="802551" cy="246221"/>
+          </a:xfrm>
+          <a:prstGeom prst="rect">
+            <a:avLst/>
+          </a:prstGeom>
+          <a:solidFill>
+            <a:schemeClr val="bg1"/>
+          </a:solidFill>
+          <a:ln w="3175"/>
+        </p:spPr>
+        <p:style>
+          <a:lnRef idx="2">
+            <a:schemeClr val="accent1">
+              <a:shade val="50000"/>
+            </a:schemeClr>
+          </a:lnRef>
+          <a:fillRef idx="1">
+            <a:schemeClr val="accent1"/>
+          </a:fillRef>
+          <a:effectRef idx="0">
+            <a:schemeClr val="accent1"/>
+          </a:effectRef>
+          <a:fontRef idx="minor">
+            <a:schemeClr val="lt1"/>
+          </a:fontRef>
+        </p:style>
+        <p:txBody>
+          <a:bodyPr rtlCol="0" anchor="ctr"/>
+          <a:lstStyle/>
+          <a:p>
+            <a:pPr algn="ctr"/>
+            <a:endParaRPr lang="ko-KR" altLang="en-US"/>
+          </a:p>
+        </p:txBody>
+      </p:sp>
+      <p:sp>
+        <p:nvSpPr>
+          <p:cNvPr id="17" name="직사각형 16">
+            <a:extLst>
+              <a:ext uri="{FF2B5EF4-FFF2-40B4-BE49-F238E27FC236}">
+                <a16:creationId xmlns:a16="http://schemas.microsoft.com/office/drawing/2014/main" id="{39A9E58A-CBCA-4E81-A383-938320B2E22B}"/>
+              </a:ext>
+            </a:extLst>
+          </p:cNvPr>
+          <p:cNvSpPr/>
+          <p:nvPr/>
+        </p:nvSpPr>
+        <p:spPr>
+          <a:xfrm>
+            <a:off x="10354307" y="113916"/>
+            <a:ext cx="802551" cy="246221"/>
+          </a:xfrm>
+          <a:prstGeom prst="rect">
+            <a:avLst/>
+          </a:prstGeom>
+          <a:solidFill>
+            <a:schemeClr val="bg1"/>
+          </a:solidFill>
+          <a:ln w="3175">
+            <a:solidFill>
+              <a:schemeClr val="tx1"/>
+            </a:solidFill>
+          </a:ln>
+        </p:spPr>
+        <p:style>
+          <a:lnRef idx="2">
+            <a:schemeClr val="accent1">
+              <a:shade val="50000"/>
+            </a:schemeClr>
+          </a:lnRef>
+          <a:fillRef idx="1">
+            <a:schemeClr val="accent1"/>
+          </a:fillRef>
+          <a:effectRef idx="0">
+            <a:schemeClr val="accent1"/>
+          </a:effectRef>
+          <a:fontRef idx="minor">
+            <a:schemeClr val="lt1"/>
+          </a:fontRef>
+        </p:style>
+        <p:txBody>
+          <a:bodyPr rtlCol="0" anchor="ctr"/>
+          <a:lstStyle/>
+          <a:p>
+            <a:pPr algn="ctr"/>
+            <a:endParaRPr lang="ko-KR" altLang="en-US"/>
+          </a:p>
+        </p:txBody>
+      </p:sp>
+      <p:sp>
+        <p:nvSpPr>
+          <p:cNvPr id="19" name="TextBox 18">
+            <a:extLst>
+              <a:ext uri="{FF2B5EF4-FFF2-40B4-BE49-F238E27FC236}">
+                <a16:creationId xmlns:a16="http://schemas.microsoft.com/office/drawing/2014/main" id="{660C70C9-6354-47EA-9886-58261B2E0FCD}"/>
+              </a:ext>
+            </a:extLst>
+          </p:cNvPr>
+          <p:cNvSpPr txBox="1"/>
+          <p:nvPr/>
+        </p:nvSpPr>
+        <p:spPr>
+          <a:xfrm>
+            <a:off x="11247688" y="113917"/>
+            <a:ext cx="569387" cy="246221"/>
+          </a:xfrm>
+          <a:prstGeom prst="rect">
+            <a:avLst/>
+          </a:prstGeom>
+          <a:noFill/>
+        </p:spPr>
+        <p:txBody>
+          <a:bodyPr wrap="none" rtlCol="0">
+            <a:spAutoFit/>
+          </a:bodyPr>
+          <a:lstStyle/>
+          <a:p>
+            <a:r>
+              <a:rPr lang="ko-KR" altLang="en-US" sz="1000" dirty="0"/>
+              <a:t>로그인</a:t>
+            </a:r>
+          </a:p>
+        </p:txBody>
+      </p:sp>
     </p:spTree>
     <p:extLst>
       <p:ext uri="{BB962C8B-B14F-4D97-AF65-F5344CB8AC3E}">
@@ -4277,8 +4489,8 @@
         </p:nvSpPr>
         <p:spPr>
           <a:xfrm>
-            <a:off x="6779491" y="4129931"/>
-            <a:ext cx="981992" cy="943071"/>
+            <a:off x="6781800" y="3057509"/>
+            <a:ext cx="889000" cy="873820"/>
           </a:xfrm>
           <a:prstGeom prst="rect">
             <a:avLst/>
@@ -4286,7 +4498,7 @@
           <a:solidFill>
             <a:schemeClr val="bg1"/>
           </a:solidFill>
-          <a:ln>
+          <a:ln w="3175">
             <a:solidFill>
               <a:schemeClr val="tx1"/>
             </a:solidFill>
@@ -4313,7 +4525,7 @@
           <a:lstStyle/>
           <a:p>
             <a:pPr algn="ctr"/>
-            <a:endParaRPr lang="ko-KR" altLang="en-US"/>
+            <a:endParaRPr lang="ko-KR" altLang="en-US" sz="1050"/>
           </a:p>
         </p:txBody>
       </p:sp>
@@ -4345,9 +4557,9 @@
           </a:stretch>
         </p:blipFill>
         <p:spPr bwMode="auto">
-          <a:xfrm>
-            <a:off x="1311858" y="889472"/>
-            <a:ext cx="4267305" cy="4755955"/>
+          <a:xfrm flipH="1">
+            <a:off x="1871133" y="294314"/>
+            <a:ext cx="4159186" cy="4635458"/>
           </a:xfrm>
           <a:prstGeom prst="rect">
             <a:avLst/>
@@ -4378,8 +4590,8 @@
         </p:nvSpPr>
         <p:spPr>
           <a:xfrm>
-            <a:off x="6698371" y="889472"/>
-            <a:ext cx="2610678" cy="461665"/>
+            <a:off x="6781800" y="262789"/>
+            <a:ext cx="2610678" cy="369332"/>
           </a:xfrm>
           <a:prstGeom prst="rect">
             <a:avLst/>
@@ -4393,11 +4605,11 @@
           <a:lstStyle/>
           <a:p>
             <a:r>
-              <a:rPr lang="ko-KR" altLang="en-US" sz="2400" dirty="0" err="1"/>
+              <a:rPr lang="ko-KR" altLang="en-US" dirty="0" err="1"/>
               <a:t>오버핏</a:t>
             </a:r>
             <a:r>
-              <a:rPr lang="ko-KR" altLang="en-US" sz="2400" dirty="0"/>
+              <a:rPr lang="ko-KR" altLang="en-US" dirty="0"/>
               <a:t> 울 가디언</a:t>
             </a:r>
           </a:p>
@@ -4417,8 +4629,8 @@
         </p:nvSpPr>
         <p:spPr>
           <a:xfrm>
-            <a:off x="6698371" y="1523999"/>
-            <a:ext cx="2480103" cy="369332"/>
+            <a:off x="6698371" y="838198"/>
+            <a:ext cx="2480103" cy="307777"/>
           </a:xfrm>
           <a:prstGeom prst="rect">
             <a:avLst/>
@@ -4426,17 +4638,17 @@
           <a:noFill/>
         </p:spPr>
         <p:txBody>
-          <a:bodyPr wrap="none" rtlCol="0">
+          <a:bodyPr wrap="square" rtlCol="0">
             <a:spAutoFit/>
           </a:bodyPr>
           <a:lstStyle/>
           <a:p>
             <a:r>
-              <a:rPr lang="en-US" altLang="ko-KR" dirty="0"/>
+              <a:rPr lang="en-US" altLang="ko-KR" sz="1400" dirty="0"/>
               <a:t>Product Info    </a:t>
             </a:r>
             <a:r>
-              <a:rPr lang="ko-KR" altLang="en-US" sz="1200" dirty="0"/>
+              <a:rPr lang="ko-KR" altLang="en-US" sz="1400" dirty="0"/>
               <a:t>제품 정보</a:t>
             </a:r>
           </a:p>
@@ -4456,8 +4668,8 @@
         </p:nvSpPr>
         <p:spPr>
           <a:xfrm>
-            <a:off x="6698371" y="2262663"/>
-            <a:ext cx="2973891" cy="369332"/>
+            <a:off x="6698371" y="1222339"/>
+            <a:ext cx="2973891" cy="307777"/>
           </a:xfrm>
           <a:prstGeom prst="rect">
             <a:avLst/>
@@ -4465,16 +4677,20 @@
           <a:noFill/>
         </p:spPr>
         <p:txBody>
-          <a:bodyPr wrap="none" rtlCol="0">
+          <a:bodyPr wrap="square" rtlCol="0">
             <a:spAutoFit/>
           </a:bodyPr>
           <a:lstStyle/>
           <a:p>
             <a:r>
-              <a:rPr lang="ko-KR" altLang="en-US" dirty="0"/>
-              <a:t>색상                    그레이</a:t>
-            </a:r>
-            <a:endParaRPr lang="en-US" altLang="ko-KR" dirty="0"/>
+              <a:rPr lang="en-US" altLang="ko-KR" sz="1400" dirty="0"/>
+              <a:t>COLOR</a:t>
+            </a:r>
+            <a:r>
+              <a:rPr lang="ko-KR" altLang="en-US" sz="1400" dirty="0"/>
+              <a:t>                    그레이</a:t>
+            </a:r>
+            <a:endParaRPr lang="en-US" altLang="ko-KR" sz="1400" dirty="0"/>
           </a:p>
         </p:txBody>
       </p:sp>
@@ -4492,8 +4708,8 @@
         </p:nvSpPr>
         <p:spPr>
           <a:xfrm>
-            <a:off x="6698371" y="1893331"/>
-            <a:ext cx="4945585" cy="369332"/>
+            <a:off x="6698371" y="1656264"/>
+            <a:ext cx="4159187" cy="307777"/>
           </a:xfrm>
           <a:prstGeom prst="rect">
             <a:avLst/>
@@ -4501,28 +4717,28 @@
           <a:noFill/>
         </p:spPr>
         <p:txBody>
-          <a:bodyPr wrap="none" rtlCol="0">
+          <a:bodyPr wrap="square" rtlCol="0">
             <a:spAutoFit/>
           </a:bodyPr>
           <a:lstStyle/>
           <a:p>
             <a:r>
-              <a:rPr lang="ko-KR" altLang="en-US" dirty="0"/>
+              <a:rPr lang="ko-KR" altLang="en-US" sz="1400" dirty="0"/>
               <a:t>브랜드</a:t>
             </a:r>
             <a:r>
-              <a:rPr lang="en-US" altLang="ko-KR" dirty="0"/>
+              <a:rPr lang="en-US" altLang="ko-KR" sz="1400" dirty="0"/>
               <a:t>/</a:t>
             </a:r>
             <a:r>
-              <a:rPr lang="ko-KR" altLang="en-US" dirty="0"/>
+              <a:rPr lang="ko-KR" altLang="en-US" sz="1400" dirty="0"/>
               <a:t>제품번호    </a:t>
             </a:r>
             <a:r>
-              <a:rPr lang="en-US" altLang="ko-KR" dirty="0"/>
+              <a:rPr lang="en-US" altLang="ko-KR" sz="1400" dirty="0"/>
               <a:t>COOR / CMN2KT01K-GRY</a:t>
             </a:r>
-            <a:endParaRPr lang="ko-KR" altLang="en-US" dirty="0"/>
+            <a:endParaRPr lang="ko-KR" altLang="en-US" sz="1400" dirty="0"/>
           </a:p>
         </p:txBody>
       </p:sp>
@@ -4540,8 +4756,8 @@
         </p:nvSpPr>
         <p:spPr>
           <a:xfrm>
-            <a:off x="6698371" y="3123582"/>
-            <a:ext cx="2172390" cy="369332"/>
+            <a:off x="6698371" y="2051160"/>
+            <a:ext cx="2172390" cy="307777"/>
           </a:xfrm>
           <a:prstGeom prst="rect">
             <a:avLst/>
@@ -4549,17 +4765,17 @@
           <a:noFill/>
         </p:spPr>
         <p:txBody>
-          <a:bodyPr wrap="none" rtlCol="0">
+          <a:bodyPr wrap="square" rtlCol="0">
             <a:spAutoFit/>
           </a:bodyPr>
           <a:lstStyle/>
           <a:p>
             <a:r>
-              <a:rPr lang="en-US" altLang="ko-KR" dirty="0"/>
+              <a:rPr lang="en-US" altLang="ko-KR" sz="1400" dirty="0"/>
               <a:t>Price Info    </a:t>
             </a:r>
             <a:r>
-              <a:rPr lang="ko-KR" altLang="en-US" sz="1200" dirty="0"/>
+              <a:rPr lang="ko-KR" altLang="en-US" sz="1400" dirty="0"/>
               <a:t>가격 정보</a:t>
             </a:r>
           </a:p>
@@ -4579,8 +4795,8 @@
         </p:nvSpPr>
         <p:spPr>
           <a:xfrm>
-            <a:off x="6698371" y="3557507"/>
-            <a:ext cx="2409634" cy="369332"/>
+            <a:off x="6698371" y="2485085"/>
+            <a:ext cx="2409634" cy="307777"/>
           </a:xfrm>
           <a:prstGeom prst="rect">
             <a:avLst/>
@@ -4588,24 +4804,24 @@
           <a:noFill/>
         </p:spPr>
         <p:txBody>
-          <a:bodyPr wrap="none" rtlCol="0">
+          <a:bodyPr wrap="square" rtlCol="0">
             <a:spAutoFit/>
           </a:bodyPr>
           <a:lstStyle/>
           <a:p>
             <a:r>
-              <a:rPr lang="ko-KR" altLang="en-US" dirty="0"/>
+              <a:rPr lang="ko-KR" altLang="en-US" sz="1400" dirty="0"/>
               <a:t>판매가      </a:t>
             </a:r>
             <a:r>
-              <a:rPr lang="en-US" altLang="ko-KR" dirty="0"/>
+              <a:rPr lang="en-US" altLang="ko-KR" sz="1400" dirty="0"/>
               <a:t>125,000</a:t>
             </a:r>
             <a:r>
-              <a:rPr lang="ko-KR" altLang="en-US" dirty="0"/>
+              <a:rPr lang="ko-KR" altLang="en-US" sz="1400" dirty="0"/>
               <a:t>원</a:t>
             </a:r>
-            <a:endParaRPr lang="en-US" altLang="ko-KR" dirty="0"/>
+            <a:endParaRPr lang="en-US" altLang="ko-KR" sz="1400" dirty="0"/>
           </a:p>
         </p:txBody>
       </p:sp>
@@ -4623,8 +4839,8 @@
         </p:nvSpPr>
         <p:spPr>
           <a:xfrm>
-            <a:off x="6698371" y="4129931"/>
-            <a:ext cx="1063112" cy="276999"/>
+            <a:off x="6698371" y="3057509"/>
+            <a:ext cx="1063112" cy="253916"/>
           </a:xfrm>
           <a:prstGeom prst="rect">
             <a:avLst/>
@@ -4632,13 +4848,13 @@
           <a:noFill/>
         </p:spPr>
         <p:txBody>
-          <a:bodyPr wrap="none" rtlCol="0">
+          <a:bodyPr wrap="square" rtlCol="0">
             <a:spAutoFit/>
           </a:bodyPr>
           <a:lstStyle/>
           <a:p>
             <a:r>
-              <a:rPr lang="ko-KR" altLang="en-US" sz="1200" dirty="0"/>
+              <a:rPr lang="ko-KR" altLang="en-US" sz="1050" dirty="0"/>
               <a:t>▼ 옵션 선택</a:t>
             </a:r>
           </a:p>
@@ -4658,8 +4874,8 @@
         </p:nvSpPr>
         <p:spPr>
           <a:xfrm>
-            <a:off x="6698371" y="5276095"/>
-            <a:ext cx="4015843" cy="369332"/>
+            <a:off x="2371693" y="5932599"/>
+            <a:ext cx="3158065" cy="307777"/>
           </a:xfrm>
           <a:prstGeom prst="rect">
             <a:avLst/>
@@ -4667,24 +4883,24 @@
           <a:noFill/>
         </p:spPr>
         <p:txBody>
-          <a:bodyPr wrap="none" rtlCol="0">
+          <a:bodyPr wrap="square" rtlCol="0">
             <a:spAutoFit/>
           </a:bodyPr>
           <a:lstStyle/>
           <a:p>
             <a:r>
-              <a:rPr lang="ko-KR" altLang="en-US" dirty="0"/>
-              <a:t>총 금액 상품                  </a:t>
-            </a:r>
-            <a:r>
-              <a:rPr lang="en-US" altLang="ko-KR" dirty="0"/>
+              <a:rPr lang="ko-KR" altLang="en-US" sz="1400" dirty="0"/>
+              <a:t>총 금액 상품               </a:t>
+            </a:r>
+            <a:r>
+              <a:rPr lang="en-US" altLang="ko-KR" sz="1400" dirty="0"/>
               <a:t>125,000</a:t>
             </a:r>
             <a:r>
-              <a:rPr lang="ko-KR" altLang="en-US" dirty="0"/>
+              <a:rPr lang="ko-KR" altLang="en-US" sz="1400" dirty="0"/>
               <a:t>원</a:t>
             </a:r>
-            <a:endParaRPr lang="en-US" altLang="ko-KR" dirty="0"/>
+            <a:endParaRPr lang="en-US" altLang="ko-KR" sz="1400" dirty="0"/>
           </a:p>
         </p:txBody>
       </p:sp>
@@ -4702,8 +4918,8 @@
         </p:nvSpPr>
         <p:spPr>
           <a:xfrm>
-            <a:off x="7107622" y="4426670"/>
-            <a:ext cx="325730" cy="646331"/>
+            <a:off x="7107622" y="3354248"/>
+            <a:ext cx="325730" cy="577081"/>
           </a:xfrm>
           <a:prstGeom prst="rect">
             <a:avLst/>
@@ -4711,30 +4927,273 @@
           <a:noFill/>
         </p:spPr>
         <p:txBody>
-          <a:bodyPr wrap="none" rtlCol="0">
+          <a:bodyPr wrap="square" rtlCol="0">
             <a:spAutoFit/>
           </a:bodyPr>
           <a:lstStyle/>
           <a:p>
             <a:r>
-              <a:rPr lang="en-US" altLang="ko-KR" sz="1200" dirty="0"/>
+              <a:rPr lang="en-US" altLang="ko-KR" sz="1050" dirty="0"/>
               <a:t>S</a:t>
             </a:r>
             <a:br>
-              <a:rPr lang="en-US" altLang="ko-KR" sz="1200" dirty="0"/>
+              <a:rPr lang="en-US" altLang="ko-KR" sz="1050" dirty="0"/>
             </a:br>
             <a:r>
-              <a:rPr lang="en-US" altLang="ko-KR" sz="1200" dirty="0"/>
+              <a:rPr lang="en-US" altLang="ko-KR" sz="1050" dirty="0"/>
               <a:t>M</a:t>
             </a:r>
             <a:br>
-              <a:rPr lang="en-US" altLang="ko-KR" sz="1200" dirty="0"/>
+              <a:rPr lang="en-US" altLang="ko-KR" sz="1050" dirty="0"/>
             </a:br>
             <a:r>
-              <a:rPr lang="en-US" altLang="ko-KR" sz="1200" dirty="0"/>
+              <a:rPr lang="en-US" altLang="ko-KR" sz="1050" dirty="0"/>
               <a:t>L</a:t>
             </a:r>
-            <a:endParaRPr lang="ko-KR" altLang="en-US" sz="1200" dirty="0"/>
+            <a:endParaRPr lang="ko-KR" altLang="en-US" sz="1050" dirty="0"/>
+          </a:p>
+        </p:txBody>
+      </p:sp>
+      <p:sp>
+        <p:nvSpPr>
+          <p:cNvPr id="11" name="직사각형 10">
+            <a:extLst>
+              <a:ext uri="{FF2B5EF4-FFF2-40B4-BE49-F238E27FC236}">
+                <a16:creationId xmlns:a16="http://schemas.microsoft.com/office/drawing/2014/main" id="{1FD0B6AC-240F-48B4-A366-0281B9CBA9F4}"/>
+              </a:ext>
+            </a:extLst>
+          </p:cNvPr>
+          <p:cNvSpPr/>
+          <p:nvPr/>
+        </p:nvSpPr>
+        <p:spPr>
+          <a:xfrm>
+            <a:off x="6781800" y="4088356"/>
+            <a:ext cx="3471334" cy="1998132"/>
+          </a:xfrm>
+          <a:prstGeom prst="rect">
+            <a:avLst/>
+          </a:prstGeom>
+          <a:solidFill>
+            <a:schemeClr val="bg1"/>
+          </a:solidFill>
+          <a:ln w="3175">
+            <a:solidFill>
+              <a:schemeClr val="tx1"/>
+            </a:solidFill>
+          </a:ln>
+        </p:spPr>
+        <p:style>
+          <a:lnRef idx="2">
+            <a:schemeClr val="accent1">
+              <a:shade val="50000"/>
+            </a:schemeClr>
+          </a:lnRef>
+          <a:fillRef idx="1">
+            <a:schemeClr val="accent1"/>
+          </a:fillRef>
+          <a:effectRef idx="0">
+            <a:schemeClr val="accent1"/>
+          </a:effectRef>
+          <a:fontRef idx="minor">
+            <a:schemeClr val="lt1"/>
+          </a:fontRef>
+        </p:style>
+        <p:txBody>
+          <a:bodyPr rtlCol="0" anchor="ctr"/>
+          <a:lstStyle/>
+          <a:p>
+            <a:pPr algn="ctr"/>
+            <a:r>
+              <a:rPr lang="ko-KR" altLang="en-US" dirty="0">
+                <a:solidFill>
+                  <a:schemeClr val="tx1"/>
+                </a:solidFill>
+              </a:rPr>
+              <a:t>배송 정보</a:t>
+            </a:r>
+            <a:endParaRPr lang="en-US" altLang="ko-KR" dirty="0">
+              <a:solidFill>
+                <a:schemeClr val="tx1"/>
+              </a:solidFill>
+            </a:endParaRPr>
+          </a:p>
+          <a:p>
+            <a:pPr algn="ctr"/>
+            <a:endParaRPr lang="en-US" altLang="ko-KR" dirty="0">
+              <a:solidFill>
+                <a:schemeClr val="tx1"/>
+              </a:solidFill>
+            </a:endParaRPr>
+          </a:p>
+          <a:p>
+            <a:r>
+              <a:rPr lang="ko-KR" altLang="en-US" dirty="0">
+                <a:solidFill>
+                  <a:schemeClr val="tx1"/>
+                </a:solidFill>
+              </a:rPr>
+              <a:t>이름</a:t>
+            </a:r>
+            <a:endParaRPr lang="en-US" altLang="ko-KR" dirty="0">
+              <a:solidFill>
+                <a:schemeClr val="tx1"/>
+              </a:solidFill>
+            </a:endParaRPr>
+          </a:p>
+          <a:p>
+            <a:r>
+              <a:rPr lang="ko-KR" altLang="en-US" dirty="0">
+                <a:solidFill>
+                  <a:schemeClr val="tx1"/>
+                </a:solidFill>
+              </a:rPr>
+              <a:t>배송주소</a:t>
+            </a:r>
+            <a:endParaRPr lang="en-US" altLang="ko-KR" dirty="0">
+              <a:solidFill>
+                <a:schemeClr val="tx1"/>
+              </a:solidFill>
+            </a:endParaRPr>
+          </a:p>
+          <a:p>
+            <a:r>
+              <a:rPr lang="ko-KR" altLang="en-US" dirty="0">
+                <a:solidFill>
+                  <a:schemeClr val="tx1"/>
+                </a:solidFill>
+              </a:rPr>
+              <a:t>연락처</a:t>
+            </a:r>
+            <a:endParaRPr lang="en-US" altLang="ko-KR" dirty="0">
+              <a:solidFill>
+                <a:schemeClr val="tx1"/>
+              </a:solidFill>
+            </a:endParaRPr>
+          </a:p>
+          <a:p>
+            <a:r>
+              <a:rPr lang="ko-KR" altLang="en-US" dirty="0">
+                <a:solidFill>
+                  <a:schemeClr val="tx1"/>
+                </a:solidFill>
+              </a:rPr>
+              <a:t>배송일 지정</a:t>
+            </a:r>
+          </a:p>
+        </p:txBody>
+      </p:sp>
+      <p:sp>
+        <p:nvSpPr>
+          <p:cNvPr id="15" name="직사각형 14">
+            <a:extLst>
+              <a:ext uri="{FF2B5EF4-FFF2-40B4-BE49-F238E27FC236}">
+                <a16:creationId xmlns:a16="http://schemas.microsoft.com/office/drawing/2014/main" id="{716D0DF9-7BDB-4F63-9D58-8C253BA92272}"/>
+              </a:ext>
+            </a:extLst>
+          </p:cNvPr>
+          <p:cNvSpPr/>
+          <p:nvPr/>
+        </p:nvSpPr>
+        <p:spPr>
+          <a:xfrm>
+            <a:off x="6781801" y="6307667"/>
+            <a:ext cx="1602652" cy="406400"/>
+          </a:xfrm>
+          <a:prstGeom prst="rect">
+            <a:avLst/>
+          </a:prstGeom>
+          <a:solidFill>
+            <a:schemeClr val="bg1"/>
+          </a:solidFill>
+          <a:ln w="3175"/>
+        </p:spPr>
+        <p:style>
+          <a:lnRef idx="2">
+            <a:schemeClr val="accent1">
+              <a:shade val="50000"/>
+            </a:schemeClr>
+          </a:lnRef>
+          <a:fillRef idx="1">
+            <a:schemeClr val="accent1"/>
+          </a:fillRef>
+          <a:effectRef idx="0">
+            <a:schemeClr val="accent1"/>
+          </a:effectRef>
+          <a:fontRef idx="minor">
+            <a:schemeClr val="lt1"/>
+          </a:fontRef>
+        </p:style>
+        <p:txBody>
+          <a:bodyPr rtlCol="0" anchor="ctr"/>
+          <a:lstStyle/>
+          <a:p>
+            <a:pPr algn="ctr"/>
+            <a:r>
+              <a:rPr lang="ko-KR" altLang="en-US" dirty="0">
+                <a:solidFill>
+                  <a:schemeClr val="tx1"/>
+                </a:solidFill>
+              </a:rPr>
+              <a:t>주문하기</a:t>
+            </a:r>
+          </a:p>
+        </p:txBody>
+      </p:sp>
+      <p:sp>
+        <p:nvSpPr>
+          <p:cNvPr id="18" name="직사각형 17">
+            <a:extLst>
+              <a:ext uri="{FF2B5EF4-FFF2-40B4-BE49-F238E27FC236}">
+                <a16:creationId xmlns:a16="http://schemas.microsoft.com/office/drawing/2014/main" id="{B23340FD-5A3B-4FE9-914E-11CA98A22988}"/>
+              </a:ext>
+            </a:extLst>
+          </p:cNvPr>
+          <p:cNvSpPr/>
+          <p:nvPr/>
+        </p:nvSpPr>
+        <p:spPr>
+          <a:xfrm>
+            <a:off x="8650483" y="6307667"/>
+            <a:ext cx="1602651" cy="406400"/>
+          </a:xfrm>
+          <a:prstGeom prst="rect">
+            <a:avLst/>
+          </a:prstGeom>
+          <a:solidFill>
+            <a:schemeClr val="bg1"/>
+          </a:solidFill>
+          <a:ln w="3175"/>
+        </p:spPr>
+        <p:style>
+          <a:lnRef idx="2">
+            <a:schemeClr val="accent1">
+              <a:shade val="50000"/>
+            </a:schemeClr>
+          </a:lnRef>
+          <a:fillRef idx="1">
+            <a:schemeClr val="accent1"/>
+          </a:fillRef>
+          <a:effectRef idx="0">
+            <a:schemeClr val="accent1"/>
+          </a:effectRef>
+          <a:fontRef idx="minor">
+            <a:schemeClr val="lt1"/>
+          </a:fontRef>
+        </p:style>
+        <p:txBody>
+          <a:bodyPr rtlCol="0" anchor="ctr"/>
+          <a:lstStyle/>
+          <a:p>
+            <a:pPr algn="ctr"/>
+            <a:r>
+              <a:rPr lang="ko-KR" altLang="en-US" dirty="0">
+                <a:solidFill>
+                  <a:schemeClr val="tx1"/>
+                </a:solidFill>
+              </a:rPr>
+              <a:t>취소하기</a:t>
+            </a:r>
           </a:p>
         </p:txBody>
       </p:sp>
@@ -4742,36 +5201,6 @@
     <p:extLst>
       <p:ext uri="{BB962C8B-B14F-4D97-AF65-F5344CB8AC3E}">
         <p14:creationId xmlns:p14="http://schemas.microsoft.com/office/powerpoint/2010/main" val="3331676905"/>
-      </p:ext>
-    </p:extLst>
-  </p:cSld>
-  <p:clrMapOvr>
-    <a:masterClrMapping/>
-  </p:clrMapOvr>
-</p:sld>
-</file>
-
-<file path=ppt/slides/slide3.xml><?xml version="1.0" encoding="utf-8"?>
-<p:sld xmlns:a="http://schemas.openxmlformats.org/drawingml/2006/main" xmlns:r="http://schemas.openxmlformats.org/officeDocument/2006/relationships" xmlns:p="http://schemas.openxmlformats.org/presentationml/2006/main">
-  <p:cSld>
-    <p:spTree>
-      <p:nvGrpSpPr>
-        <p:cNvPr id="1" name=""/>
-        <p:cNvGrpSpPr/>
-        <p:nvPr/>
-      </p:nvGrpSpPr>
-      <p:grpSpPr>
-        <a:xfrm>
-          <a:off x="0" y="0"/>
-          <a:ext cx="0" cy="0"/>
-          <a:chOff x="0" y="0"/>
-          <a:chExt cx="0" cy="0"/>
-        </a:xfrm>
-      </p:grpSpPr>
-    </p:spTree>
-    <p:extLst>
-      <p:ext uri="{BB962C8B-B14F-4D97-AF65-F5344CB8AC3E}">
-        <p14:creationId xmlns:p14="http://schemas.microsoft.com/office/powerpoint/2010/main" val="1202251672"/>
       </p:ext>
     </p:extLst>
   </p:cSld>
